--- a/database/slides/CALVARY_COVERS_IT_ALL.pptx
+++ b/database/slides/CALVARY_COVERS_IT_ALL.pptx
@@ -15994,7 +15994,13 @@
       </p:sp>
       <p:sp>
         <p:nvSpPr>
-          <p:cNvPr id="131" name="Google Shape;131;p25"/>
+          <p:cNvPr id="2" name="Google Shape;131;p25">
+            <a:extLst>
+              <a:ext uri="{FF2B5EF4-FFF2-40B4-BE49-F238E27FC236}">
+                <a16:creationId xmlns:a16="http://schemas.microsoft.com/office/drawing/2014/main" id="{1DB33591-7CC7-69C5-58B3-8F8A0B702303}"/>
+              </a:ext>
+            </a:extLst>
+          </p:cNvPr>
           <p:cNvSpPr txBox="1"/>
           <p:nvPr/>
         </p:nvSpPr>
@@ -16017,11 +16023,19 @@
           </a:bodyPr>
           <a:lstStyle/>
           <a:p>
-            <a:pPr>
+            <a:pPr marL="0" lvl="0" indent="0" algn="l" rtl="0">
+              <a:spcBef>
+                <a:spcPts val="0"/>
+              </a:spcBef>
+              <a:spcAft>
+                <a:spcPts val="0"/>
+              </a:spcAft>
               <a:buClr>
                 <a:schemeClr val="lt1"/>
               </a:buClr>
               <a:buSzPts val="3200"/>
+              <a:buFont typeface="Arial"/>
+              <a:buNone/>
             </a:pPr>
             <a:r>
               <a:rPr lang="en-GB" sz="3600" b="1" i="1" dirty="0">
@@ -16035,7 +16049,7 @@
               </a:rPr>
               <a:t>contd..</a:t>
             </a:r>
-            <a:endParaRPr lang="en-GB" sz="3600" dirty="0">
+            <a:endParaRPr sz="3600" dirty="0">
               <a:latin typeface="Calibri"/>
               <a:ea typeface="Calibri"/>
               <a:cs typeface="Calibri"/>
@@ -16420,10 +16434,10 @@
       </p:sp>
       <p:sp>
         <p:nvSpPr>
-          <p:cNvPr id="131" name="Google Shape;131;p25">
+          <p:cNvPr id="2" name="Google Shape;131;p25">
             <a:extLst>
               <a:ext uri="{FF2B5EF4-FFF2-40B4-BE49-F238E27FC236}">
-                <a16:creationId xmlns:a16="http://schemas.microsoft.com/office/drawing/2014/main" id="{33C60F54-22EA-792C-0C17-13E0C0311CC8}"/>
+                <a16:creationId xmlns:a16="http://schemas.microsoft.com/office/drawing/2014/main" id="{6A554A9F-540F-3CDF-3E77-5BF11331A1BD}"/>
               </a:ext>
             </a:extLst>
           </p:cNvPr>
@@ -16449,11 +16463,19 @@
           </a:bodyPr>
           <a:lstStyle/>
           <a:p>
-            <a:pPr>
+            <a:pPr marL="0" lvl="0" indent="0" algn="l" rtl="0">
+              <a:spcBef>
+                <a:spcPts val="0"/>
+              </a:spcBef>
+              <a:spcAft>
+                <a:spcPts val="0"/>
+              </a:spcAft>
               <a:buClr>
                 <a:schemeClr val="lt1"/>
               </a:buClr>
               <a:buSzPts val="3200"/>
+              <a:buFont typeface="Arial"/>
+              <a:buNone/>
             </a:pPr>
             <a:r>
               <a:rPr lang="en-GB" sz="3600" b="1" i="1" dirty="0">
@@ -16467,7 +16489,7 @@
               </a:rPr>
               <a:t>contd..</a:t>
             </a:r>
-            <a:endParaRPr lang="en-GB" sz="3600" dirty="0">
+            <a:endParaRPr sz="3600" dirty="0">
               <a:latin typeface="Calibri"/>
               <a:ea typeface="Calibri"/>
               <a:cs typeface="Calibri"/>
